--- a/I_HR Presentation.pptx
+++ b/I_HR Presentation.pptx
@@ -3238,7 +3238,6 @@
               <a:rPr lang="en-US" sz="2400" dirty="0" smtClean="0"/>
               <a:t>MDTM22</a:t>
             </a:r>
-            <a:endParaRPr lang="en-US" sz="2400" dirty="0" smtClean="0"/>
           </a:p>
         </p:txBody>
       </p:sp>
@@ -3964,7 +3963,7 @@
         <p:spPr/>
         <p:txBody>
           <a:bodyPr>
-            <a:normAutofit fontScale="85000" lnSpcReduction="20000"/>
+            <a:normAutofit fontScale="92500" lnSpcReduction="20000"/>
           </a:bodyPr>
           <a:lstStyle/>
           <a:p>
@@ -3994,8 +3993,18 @@
             </a:pPr>
             <a:r>
               <a:rPr lang="en-US" dirty="0" smtClean="0"/>
-              <a:t>Plotly for interactive visualizations.</a:t>
-            </a:r>
+              <a:t>Plotly for interactive visualizations</a:t>
+            </a:r>
+            <a:r>
+              <a:rPr lang="en-US" dirty="0" smtClean="0"/>
+              <a:t>.</a:t>
+            </a:r>
+          </a:p>
+          <a:p>
+            <a:pPr marL="457200" lvl="1" indent="0">
+              <a:buNone/>
+            </a:pPr>
+            <a:endParaRPr lang="en-US" dirty="0" smtClean="0"/>
           </a:p>
           <a:p>
             <a:pPr marL="0" indent="0">
@@ -4047,65 +4056,10 @@
           <a:p>
             <a:pPr lvl="2"/>
             <a:r>
-              <a:rPr lang="en-US" dirty="0"/>
-              <a:t>C</a:t>
-            </a:r>
-            <a:r>
               <a:rPr lang="en-US" dirty="0" smtClean="0"/>
-              <a:t>lass</a:t>
-            </a:r>
-          </a:p>
-          <a:p>
-            <a:pPr marL="0" indent="0">
-              <a:buNone/>
-            </a:pPr>
-            <a:r>
-              <a:rPr lang="en-US" b="1" dirty="0" smtClean="0">
-                <a:solidFill>
-                  <a:schemeClr val="tx2">
-                    <a:lumMod val="60000"/>
-                    <a:lumOff val="40000"/>
-                  </a:schemeClr>
-                </a:solidFill>
-              </a:rPr>
-              <a:t>Demo Screenshot:</a:t>
-            </a:r>
-            <a:r>
-              <a:rPr lang="en-US" dirty="0" smtClean="0">
-                <a:solidFill>
-                  <a:schemeClr val="tx2">
-                    <a:lumMod val="60000"/>
-                    <a:lumOff val="40000"/>
-                  </a:schemeClr>
-                </a:solidFill>
-              </a:rPr>
-              <a:t> (</a:t>
-            </a:r>
-            <a:r>
-              <a:rPr lang="en-US" i="1" dirty="0" smtClean="0">
-                <a:solidFill>
-                  <a:schemeClr val="tx2">
-                    <a:lumMod val="60000"/>
-                    <a:lumOff val="40000"/>
-                  </a:schemeClr>
-                </a:solidFill>
-              </a:rPr>
-              <a:t>Include a screenshot of the dashboard here.</a:t>
-            </a:r>
-            <a:r>
-              <a:rPr lang="en-US" dirty="0" smtClean="0">
-                <a:solidFill>
-                  <a:schemeClr val="tx2">
-                    <a:lumMod val="60000"/>
-                    <a:lumOff val="40000"/>
-                  </a:schemeClr>
-                </a:solidFill>
-              </a:rPr>
-              <a:t>)</a:t>
-            </a:r>
-          </a:p>
-          <a:p>
-            <a:endParaRPr lang="en-IN" dirty="0"/>
+              <a:t>Class</a:t>
+            </a:r>
+            <a:endParaRPr lang="en-US" dirty="0" smtClean="0"/>
           </a:p>
         </p:txBody>
       </p:sp>
@@ -5104,15 +5058,7 @@
             </a:pPr>
             <a:r>
               <a:rPr lang="en-US" dirty="0" smtClean="0"/>
-              <a:t>Cleaned </a:t>
-            </a:r>
-            <a:r>
-              <a:rPr lang="en-US" dirty="0" err="1" smtClean="0"/>
-              <a:t>backticks</a:t>
-            </a:r>
-            <a:r>
-              <a:rPr lang="en-US" dirty="0" smtClean="0"/>
-              <a:t> (```) in categorical columns.</a:t>
+              <a:t>Cleaned backticks (```) in categorical columns.</a:t>
             </a:r>
           </a:p>
           <a:p>

--- a/I_HR Presentation.pptx
+++ b/I_HR Presentation.pptx
@@ -3737,7 +3737,7 @@
         </p:spPr>
         <p:txBody>
           <a:bodyPr>
-            <a:normAutofit fontScale="92500" lnSpcReduction="10000"/>
+            <a:normAutofit lnSpcReduction="10000"/>
           </a:bodyPr>
           <a:lstStyle/>
           <a:p>
@@ -3798,20 +3798,12 @@
               <a:buChar char="•"/>
             </a:pPr>
             <a:r>
-              <a:rPr lang="en-IN" i="1" dirty="0"/>
-              <a:t>Accuracy</a:t>
-            </a:r>
-            <a:r>
               <a:rPr lang="en-IN" dirty="0"/>
-              <a:t>: </a:t>
-            </a:r>
-            <a:r>
-              <a:rPr lang="en-IN" dirty="0" smtClean="0">
-                <a:solidFill>
-                  <a:schemeClr val="accent1"/>
-                </a:solidFill>
-              </a:rPr>
-              <a:t>0.9998184364787052</a:t>
+              <a:t>Accuracy: </a:t>
+            </a:r>
+            <a:r>
+              <a:rPr lang="en-IN" dirty="0" smtClean="0"/>
+              <a:t>99.98%</a:t>
             </a:r>
           </a:p>
           <a:p>
@@ -3820,7 +3812,7 @@
               <a:buChar char="•"/>
             </a:pPr>
             <a:r>
-              <a:rPr lang="en-IN" i="1" dirty="0" smtClean="0"/>
+              <a:rPr lang="en-IN" dirty="0" smtClean="0"/>
               <a:t>Precision</a:t>
             </a:r>
             <a:r>
@@ -3828,12 +3820,8 @@
               <a:t>: </a:t>
             </a:r>
             <a:r>
-              <a:rPr lang="en-IN" dirty="0" smtClean="0">
-                <a:solidFill>
-                  <a:schemeClr val="accent1"/>
-                </a:solidFill>
-              </a:rPr>
-              <a:t>0.9998980078586337</a:t>
+              <a:rPr lang="en-IN" dirty="0" smtClean="0"/>
+              <a:t>99.99%</a:t>
             </a:r>
           </a:p>
           <a:p>
@@ -3842,7 +3830,7 @@
               <a:buChar char="•"/>
             </a:pPr>
             <a:r>
-              <a:rPr lang="en-IN" i="1" dirty="0" smtClean="0"/>
+              <a:rPr lang="en-IN" dirty="0" smtClean="0"/>
               <a:t>Recall</a:t>
             </a:r>
             <a:r>
@@ -3850,12 +3838,8 @@
               <a:t>: </a:t>
             </a:r>
             <a:r>
-              <a:rPr lang="en-IN" dirty="0" smtClean="0">
-                <a:solidFill>
-                  <a:schemeClr val="accent1"/>
-                </a:solidFill>
-              </a:rPr>
-              <a:t>0.9999234889058913</a:t>
+              <a:rPr lang="en-IN" dirty="0" smtClean="0"/>
+              <a:t>99.99%</a:t>
             </a:r>
           </a:p>
           <a:p>
@@ -3864,20 +3848,12 @@
               <a:buChar char="•"/>
             </a:pPr>
             <a:r>
-              <a:rPr lang="en-IN" i="1" dirty="0" smtClean="0"/>
+              <a:rPr lang="en-IN" dirty="0" smtClean="0"/>
               <a:t>F1-Score</a:t>
             </a:r>
             <a:r>
               <a:rPr lang="en-IN" dirty="0"/>
-              <a:t>: </a:t>
-            </a:r>
-            <a:r>
-              <a:rPr lang="en-IN" dirty="0" smtClean="0">
-                <a:solidFill>
-                  <a:schemeClr val="accent1"/>
-                </a:solidFill>
-              </a:rPr>
-              <a:t>0.9999107276966835</a:t>
+              <a:t>: 99.99%</a:t>
             </a:r>
           </a:p>
         </p:txBody>
@@ -3993,11 +3969,7 @@
             </a:pPr>
             <a:r>
               <a:rPr lang="en-US" dirty="0" smtClean="0"/>
-              <a:t>Plotly for interactive visualizations</a:t>
-            </a:r>
-            <a:r>
-              <a:rPr lang="en-US" dirty="0" smtClean="0"/>
-              <a:t>.</a:t>
+              <a:t>Plotly for interactive visualizations.</a:t>
             </a:r>
           </a:p>
           <a:p>
@@ -4059,7 +4031,6 @@
               <a:rPr lang="en-US" dirty="0" smtClean="0"/>
               <a:t>Class</a:t>
             </a:r>
-            <a:endParaRPr lang="en-US" dirty="0" smtClean="0"/>
           </a:p>
         </p:txBody>
       </p:sp>

--- a/I_HR Presentation.pptx
+++ b/I_HR Presentation.pptx
@@ -16,9 +16,10 @@
     <p:sldId id="264" r:id="rId10"/>
     <p:sldId id="265" r:id="rId11"/>
     <p:sldId id="266" r:id="rId12"/>
-    <p:sldId id="267" r:id="rId13"/>
-    <p:sldId id="268" r:id="rId14"/>
-    <p:sldId id="269" r:id="rId15"/>
+    <p:sldId id="268" r:id="rId13"/>
+    <p:sldId id="269" r:id="rId14"/>
+    <p:sldId id="270" r:id="rId15"/>
+    <p:sldId id="271" r:id="rId16"/>
   </p:sldIdLst>
   <p:sldSz cx="9144000" cy="6858000" type="screen4x3"/>
   <p:notesSz cx="6858000" cy="9144000"/>
@@ -301,7 +302,7 @@
           <a:p>
             <a:fld id="{0EE5DC58-2483-4A1A-82DB-9160D36968B0}" type="datetimeFigureOut">
               <a:rPr lang="en-IN" smtClean="0"/>
-              <a:t>10-12-2024</a:t>
+              <a:t>14-12-2024</a:t>
             </a:fld>
             <a:endParaRPr lang="en-IN"/>
           </a:p>
@@ -471,7 +472,7 @@
           <a:p>
             <a:fld id="{0EE5DC58-2483-4A1A-82DB-9160D36968B0}" type="datetimeFigureOut">
               <a:rPr lang="en-IN" smtClean="0"/>
-              <a:t>10-12-2024</a:t>
+              <a:t>14-12-2024</a:t>
             </a:fld>
             <a:endParaRPr lang="en-IN"/>
           </a:p>
@@ -651,7 +652,7 @@
           <a:p>
             <a:fld id="{0EE5DC58-2483-4A1A-82DB-9160D36968B0}" type="datetimeFigureOut">
               <a:rPr lang="en-IN" smtClean="0"/>
-              <a:t>10-12-2024</a:t>
+              <a:t>14-12-2024</a:t>
             </a:fld>
             <a:endParaRPr lang="en-IN"/>
           </a:p>
@@ -821,7 +822,7 @@
           <a:p>
             <a:fld id="{0EE5DC58-2483-4A1A-82DB-9160D36968B0}" type="datetimeFigureOut">
               <a:rPr lang="en-IN" smtClean="0"/>
-              <a:t>10-12-2024</a:t>
+              <a:t>14-12-2024</a:t>
             </a:fld>
             <a:endParaRPr lang="en-IN"/>
           </a:p>
@@ -1067,7 +1068,7 @@
           <a:p>
             <a:fld id="{0EE5DC58-2483-4A1A-82DB-9160D36968B0}" type="datetimeFigureOut">
               <a:rPr lang="en-IN" smtClean="0"/>
-              <a:t>10-12-2024</a:t>
+              <a:t>14-12-2024</a:t>
             </a:fld>
             <a:endParaRPr lang="en-IN"/>
           </a:p>
@@ -1355,7 +1356,7 @@
           <a:p>
             <a:fld id="{0EE5DC58-2483-4A1A-82DB-9160D36968B0}" type="datetimeFigureOut">
               <a:rPr lang="en-IN" smtClean="0"/>
-              <a:t>10-12-2024</a:t>
+              <a:t>14-12-2024</a:t>
             </a:fld>
             <a:endParaRPr lang="en-IN"/>
           </a:p>
@@ -1777,7 +1778,7 @@
           <a:p>
             <a:fld id="{0EE5DC58-2483-4A1A-82DB-9160D36968B0}" type="datetimeFigureOut">
               <a:rPr lang="en-IN" smtClean="0"/>
-              <a:t>10-12-2024</a:t>
+              <a:t>14-12-2024</a:t>
             </a:fld>
             <a:endParaRPr lang="en-IN"/>
           </a:p>
@@ -1895,7 +1896,7 @@
           <a:p>
             <a:fld id="{0EE5DC58-2483-4A1A-82DB-9160D36968B0}" type="datetimeFigureOut">
               <a:rPr lang="en-IN" smtClean="0"/>
-              <a:t>10-12-2024</a:t>
+              <a:t>14-12-2024</a:t>
             </a:fld>
             <a:endParaRPr lang="en-IN"/>
           </a:p>
@@ -1990,7 +1991,7 @@
           <a:p>
             <a:fld id="{0EE5DC58-2483-4A1A-82DB-9160D36968B0}" type="datetimeFigureOut">
               <a:rPr lang="en-IN" smtClean="0"/>
-              <a:t>10-12-2024</a:t>
+              <a:t>14-12-2024</a:t>
             </a:fld>
             <a:endParaRPr lang="en-IN"/>
           </a:p>
@@ -2267,7 +2268,7 @@
           <a:p>
             <a:fld id="{0EE5DC58-2483-4A1A-82DB-9160D36968B0}" type="datetimeFigureOut">
               <a:rPr lang="en-IN" smtClean="0"/>
-              <a:t>10-12-2024</a:t>
+              <a:t>14-12-2024</a:t>
             </a:fld>
             <a:endParaRPr lang="en-IN"/>
           </a:p>
@@ -2520,7 +2521,7 @@
           <a:p>
             <a:fld id="{0EE5DC58-2483-4A1A-82DB-9160D36968B0}" type="datetimeFigureOut">
               <a:rPr lang="en-IN" smtClean="0"/>
-              <a:t>10-12-2024</a:t>
+              <a:t>14-12-2024</a:t>
             </a:fld>
             <a:endParaRPr lang="en-IN"/>
           </a:p>
@@ -2739,7 +2740,7 @@
           <a:p>
             <a:fld id="{0EE5DC58-2483-4A1A-82DB-9160D36968B0}" type="datetimeFigureOut">
               <a:rPr lang="en-IN" smtClean="0"/>
-              <a:t>10-12-2024</a:t>
+              <a:t>14-12-2024</a:t>
             </a:fld>
             <a:endParaRPr lang="en-IN"/>
           </a:p>
@@ -3470,7 +3471,7 @@
         </p:spPr>
         <p:txBody>
           <a:bodyPr>
-            <a:normAutofit fontScale="90000"/>
+            <a:noAutofit/>
           </a:bodyPr>
           <a:lstStyle/>
           <a:p>
@@ -3508,7 +3509,7 @@
         </p:spPr>
         <p:txBody>
           <a:bodyPr>
-            <a:normAutofit fontScale="77500" lnSpcReduction="20000"/>
+            <a:normAutofit fontScale="85000" lnSpcReduction="10000"/>
           </a:bodyPr>
           <a:lstStyle/>
           <a:p>
@@ -3546,7 +3547,15 @@
             </a:pPr>
             <a:r>
               <a:rPr lang="en-US" dirty="0" smtClean="0"/>
-              <a:t>Clustered industries into 7 groups using </a:t>
+              <a:t>Clustered industries into </a:t>
+            </a:r>
+            <a:r>
+              <a:rPr lang="en-US" dirty="0" smtClean="0"/>
+              <a:t>5 </a:t>
+            </a:r>
+            <a:r>
+              <a:rPr lang="en-US" dirty="0" smtClean="0"/>
+              <a:t>groups using </a:t>
             </a:r>
             <a:r>
               <a:rPr lang="en-US" i="1" dirty="0" smtClean="0"/>
@@ -3574,73 +3583,80 @@
             <a:endParaRPr lang="en-US" dirty="0" smtClean="0"/>
           </a:p>
           <a:p>
-            <a:pPr marL="971550" lvl="1" indent="-514350">
-              <a:buFont typeface="+mj-lt"/>
-              <a:buAutoNum type="arabicPeriod"/>
+            <a:pPr marL="0" indent="0">
+              <a:buNone/>
             </a:pPr>
             <a:r>
               <a:rPr lang="en-US" dirty="0" smtClean="0"/>
-              <a:t>Non-agricultural activities</a:t>
-            </a:r>
-          </a:p>
-          <a:p>
-            <a:pPr marL="971550" lvl="1" indent="-514350">
-              <a:buFont typeface="+mj-lt"/>
-              <a:buAutoNum type="arabicPeriod"/>
-            </a:pPr>
+              <a:t>	0</a:t>
+            </a:r>
+            <a:r>
+              <a:rPr lang="en-US" dirty="0"/>
+              <a:t>: 'Developmental works',</a:t>
+            </a:r>
+          </a:p>
+          <a:p>
+            <a:pPr marL="0" indent="0">
+              <a:buNone/>
+            </a:pPr>
+            <a:r>
+              <a:rPr lang="en-US" dirty="0"/>
+              <a:t>	</a:t>
+            </a:r>
             <a:r>
               <a:rPr lang="en-US" dirty="0" smtClean="0"/>
-              <a:t>Motor Vehicle Industry</a:t>
-            </a:r>
-          </a:p>
-          <a:p>
-            <a:pPr marL="971550" lvl="1" indent="-514350">
-              <a:buFont typeface="+mj-lt"/>
-              <a:buAutoNum type="arabicPeriod"/>
+              <a:t>1</a:t>
+            </a:r>
+            <a:r>
+              <a:rPr lang="en-US" dirty="0"/>
+              <a:t>: 'Manufacturing',</a:t>
+            </a:r>
+          </a:p>
+          <a:p>
+            <a:pPr marL="0" indent="0">
+              <a:buNone/>
             </a:pPr>
             <a:r>
               <a:rPr lang="en-US" dirty="0" smtClean="0"/>
-              <a:t>Government service sector</a:t>
-            </a:r>
-          </a:p>
-          <a:p>
-            <a:pPr marL="971550" lvl="1" indent="-514350">
-              <a:buFont typeface="+mj-lt"/>
-              <a:buAutoNum type="arabicPeriod"/>
+              <a:t>	2</a:t>
+            </a:r>
+            <a:r>
+              <a:rPr lang="en-US" dirty="0"/>
+              <a:t>: 'Automobile Industries',</a:t>
+            </a:r>
+          </a:p>
+          <a:p>
+            <a:pPr marL="0" indent="0">
+              <a:buNone/>
             </a:pPr>
             <a:r>
               <a:rPr lang="en-US" dirty="0" smtClean="0"/>
-              <a:t>Small Industries</a:t>
-            </a:r>
-          </a:p>
-          <a:p>
-            <a:pPr marL="971550" lvl="1" indent="-514350">
-              <a:buFont typeface="+mj-lt"/>
-              <a:buAutoNum type="arabicPeriod"/>
-            </a:pPr>
+              <a:t>	3</a:t>
+            </a:r>
+            <a:r>
+              <a:rPr lang="en-US" dirty="0"/>
+              <a:t>: 'Household works</a:t>
+            </a:r>
             <a:r>
               <a:rPr lang="en-US" dirty="0" smtClean="0"/>
-              <a:t>Retail Stores</a:t>
-            </a:r>
-          </a:p>
-          <a:p>
-            <a:pPr marL="971550" lvl="1" indent="-514350">
-              <a:buFont typeface="+mj-lt"/>
-              <a:buAutoNum type="arabicPeriod"/>
-            </a:pPr>
+              <a:t>',</a:t>
+            </a:r>
+          </a:p>
+          <a:p>
+            <a:pPr marL="0" indent="0">
+              <a:buNone/>
+            </a:pPr>
+            <a:r>
+              <a:rPr lang="en-US" dirty="0"/>
+              <a:t>	</a:t>
+            </a:r>
             <a:r>
               <a:rPr lang="en-US" dirty="0" smtClean="0"/>
-              <a:t>Service Organizations</a:t>
-            </a:r>
-          </a:p>
-          <a:p>
-            <a:pPr marL="971550" lvl="1" indent="-514350">
-              <a:buFont typeface="+mj-lt"/>
-              <a:buAutoNum type="arabicPeriod"/>
-            </a:pPr>
-            <a:r>
-              <a:rPr lang="en-US" dirty="0" smtClean="0"/>
-              <a:t>Wholesale Stores</a:t>
+              <a:t>4</a:t>
+            </a:r>
+            <a:r>
+              <a:rPr lang="en-US" dirty="0"/>
+              <a:t>: 'Retails'</a:t>
             </a:r>
           </a:p>
           <a:p>
@@ -3693,8 +3709,8 @@
         </p:nvSpPr>
         <p:spPr>
           <a:xfrm>
-            <a:off x="467544" y="188640"/>
-            <a:ext cx="8229600" cy="778098"/>
+            <a:off x="457200" y="404664"/>
+            <a:ext cx="8229600" cy="792088"/>
           </a:xfrm>
         </p:spPr>
         <p:txBody>
@@ -3704,12 +3720,12 @@
           <a:lstStyle/>
           <a:p>
             <a:r>
-              <a:rPr lang="en-IN" b="1" dirty="0" smtClean="0">
+              <a:rPr lang="en-US" b="1" dirty="0" smtClean="0">
                 <a:solidFill>
                   <a:schemeClr val="accent2"/>
                 </a:solidFill>
               </a:rPr>
-              <a:t>Machine Learning Model</a:t>
+              <a:t>Geo-Visualization Dashboard</a:t>
             </a:r>
             <a:endParaRPr lang="en-IN" dirty="0">
               <a:solidFill>
@@ -3729,15 +3745,10 @@
             <p:ph idx="1"/>
           </p:nvPr>
         </p:nvSpPr>
-        <p:spPr>
-          <a:xfrm>
-            <a:off x="457200" y="1124744"/>
-            <a:ext cx="8229600" cy="5001419"/>
-          </a:xfrm>
-        </p:spPr>
+        <p:spPr/>
         <p:txBody>
           <a:bodyPr>
-            <a:normAutofit lnSpcReduction="10000"/>
+            <a:normAutofit fontScale="92500" lnSpcReduction="20000"/>
           </a:bodyPr>
           <a:lstStyle/>
           <a:p>
@@ -3745,52 +3756,10 @@
               <a:buNone/>
             </a:pPr>
             <a:r>
-              <a:rPr lang="en-IN" b="1" dirty="0" smtClean="0"/>
-              <a:t>Model Used:</a:t>
-            </a:r>
-            <a:r>
-              <a:rPr lang="en-IN" dirty="0" smtClean="0"/>
-              <a:t> Random Forest Classifier</a:t>
-            </a:r>
-          </a:p>
-          <a:p>
-            <a:pPr marL="0" indent="0">
-              <a:buNone/>
-            </a:pPr>
-            <a:endParaRPr lang="en-IN" dirty="0" smtClean="0"/>
-          </a:p>
-          <a:p>
-            <a:pPr marL="0" indent="0">
-              <a:buNone/>
-            </a:pPr>
-            <a:r>
-              <a:rPr lang="en-IN" b="1" dirty="0" smtClean="0"/>
-              <a:t>Features: </a:t>
-            </a:r>
-            <a:r>
-              <a:rPr lang="en-IN" i="1" dirty="0" smtClean="0"/>
-              <a:t>state_code, district_code, division, group, class, industry_group</a:t>
-            </a:r>
-            <a:r>
-              <a:rPr lang="en-IN" dirty="0" smtClean="0"/>
-              <a:t>.</a:t>
-            </a:r>
-          </a:p>
-          <a:p>
-            <a:pPr marL="0" indent="0">
-              <a:buNone/>
-            </a:pPr>
-            <a:endParaRPr lang="en-IN" dirty="0" smtClean="0"/>
-          </a:p>
-          <a:p>
-            <a:pPr marL="0" indent="0">
-              <a:buNone/>
-            </a:pPr>
-            <a:r>
-              <a:rPr lang="en-IN" b="1" dirty="0" smtClean="0"/>
-              <a:t>Evaluation Metrics:</a:t>
-            </a:r>
-            <a:endParaRPr lang="en-IN" dirty="0" smtClean="0"/>
+              <a:rPr lang="en-US" b="1" dirty="0" smtClean="0"/>
+              <a:t>Developed Using:</a:t>
+            </a:r>
+            <a:endParaRPr lang="en-US" dirty="0" smtClean="0"/>
           </a:p>
           <a:p>
             <a:pPr lvl="1">
@@ -3798,12 +3767,8 @@
               <a:buChar char="•"/>
             </a:pPr>
             <a:r>
-              <a:rPr lang="en-IN" dirty="0"/>
-              <a:t>Accuracy: </a:t>
-            </a:r>
-            <a:r>
-              <a:rPr lang="en-IN" dirty="0" smtClean="0"/>
-              <a:t>99.98%</a:t>
+              <a:rPr lang="en-US" dirty="0" smtClean="0"/>
+              <a:t>Streamlit for UI.</a:t>
             </a:r>
           </a:p>
           <a:p>
@@ -3812,48 +3777,68 @@
               <a:buChar char="•"/>
             </a:pPr>
             <a:r>
-              <a:rPr lang="en-IN" dirty="0" smtClean="0"/>
-              <a:t>Precision</a:t>
-            </a:r>
-            <a:r>
-              <a:rPr lang="en-IN" dirty="0"/>
-              <a:t>: </a:t>
-            </a:r>
-            <a:r>
-              <a:rPr lang="en-IN" dirty="0" smtClean="0"/>
-              <a:t>99.99%</a:t>
-            </a:r>
-          </a:p>
-          <a:p>
-            <a:pPr lvl="1">
-              <a:buFont typeface="Arial" panose="020B0604020202020204" pitchFamily="34" charset="0"/>
-              <a:buChar char="•"/>
-            </a:pPr>
-            <a:r>
-              <a:rPr lang="en-IN" dirty="0" smtClean="0"/>
-              <a:t>Recall</a:t>
-            </a:r>
-            <a:r>
-              <a:rPr lang="en-IN" dirty="0"/>
-              <a:t>: </a:t>
-            </a:r>
-            <a:r>
-              <a:rPr lang="en-IN" dirty="0" smtClean="0"/>
-              <a:t>99.99%</a:t>
-            </a:r>
-          </a:p>
-          <a:p>
-            <a:pPr lvl="1">
-              <a:buFont typeface="Arial" panose="020B0604020202020204" pitchFamily="34" charset="0"/>
-              <a:buChar char="•"/>
-            </a:pPr>
-            <a:r>
-              <a:rPr lang="en-IN" dirty="0" smtClean="0"/>
-              <a:t>F1-Score</a:t>
-            </a:r>
-            <a:r>
-              <a:rPr lang="en-IN" dirty="0"/>
-              <a:t>: 99.99%</a:t>
+              <a:rPr lang="en-US" dirty="0" smtClean="0"/>
+              <a:t>Plotly for interactive visualizations.</a:t>
+            </a:r>
+          </a:p>
+          <a:p>
+            <a:pPr marL="457200" lvl="1" indent="0">
+              <a:buNone/>
+            </a:pPr>
+            <a:endParaRPr lang="en-US" dirty="0" smtClean="0"/>
+          </a:p>
+          <a:p>
+            <a:pPr marL="0" indent="0">
+              <a:buNone/>
+            </a:pPr>
+            <a:r>
+              <a:rPr lang="en-US" b="1" dirty="0" smtClean="0"/>
+              <a:t>Features:</a:t>
+            </a:r>
+            <a:endParaRPr lang="en-US" dirty="0" smtClean="0"/>
+          </a:p>
+          <a:p>
+            <a:pPr marL="457200" lvl="1" indent="0">
+              <a:buNone/>
+            </a:pPr>
+            <a:r>
+              <a:rPr lang="en-US" dirty="0" smtClean="0"/>
+              <a:t>View workforce distribution by:</a:t>
+            </a:r>
+          </a:p>
+          <a:p>
+            <a:pPr lvl="2"/>
+            <a:r>
+              <a:rPr lang="en-US" dirty="0" smtClean="0"/>
+              <a:t>State</a:t>
+            </a:r>
+          </a:p>
+          <a:p>
+            <a:pPr lvl="2"/>
+            <a:r>
+              <a:rPr lang="en-US" dirty="0" smtClean="0"/>
+              <a:t>District</a:t>
+            </a:r>
+          </a:p>
+          <a:p>
+            <a:pPr lvl="2"/>
+            <a:r>
+              <a:rPr lang="en-US" dirty="0" smtClean="0"/>
+              <a:t>Division</a:t>
+            </a:r>
+          </a:p>
+          <a:p>
+            <a:pPr lvl="2"/>
+            <a:r>
+              <a:rPr lang="en-US" dirty="0" smtClean="0"/>
+              <a:t>Group</a:t>
+            </a:r>
+          </a:p>
+          <a:p>
+            <a:pPr lvl="2"/>
+            <a:r>
+              <a:rPr lang="en-US" dirty="0" smtClean="0"/>
+              <a:t>Class</a:t>
             </a:r>
           </a:p>
         </p:txBody>
@@ -3861,7 +3846,7 @@
     </p:spTree>
     <p:extLst>
       <p:ext uri="{BB962C8B-B14F-4D97-AF65-F5344CB8AC3E}">
-        <p14:creationId xmlns:p14="http://schemas.microsoft.com/office/powerpoint/2010/main" val="3168623328"/>
+        <p14:creationId xmlns:p14="http://schemas.microsoft.com/office/powerpoint/2010/main" val="2023912788"/>
       </p:ext>
     </p:extLst>
   </p:cSld>
@@ -3900,13 +3885,13 @@
         </p:nvSpPr>
         <p:spPr>
           <a:xfrm>
-            <a:off x="457200" y="404664"/>
-            <a:ext cx="8229600" cy="792088"/>
+            <a:off x="467544" y="476672"/>
+            <a:ext cx="8229600" cy="634082"/>
           </a:xfrm>
         </p:spPr>
         <p:txBody>
           <a:bodyPr>
-            <a:normAutofit/>
+            <a:noAutofit/>
           </a:bodyPr>
           <a:lstStyle/>
           <a:p>
@@ -3916,7 +3901,7 @@
                   <a:schemeClr val="accent2"/>
                 </a:solidFill>
               </a:rPr>
-              <a:t>Geo-Visualization Dashboard</a:t>
+              <a:t>Conclusion</a:t>
             </a:r>
             <a:endParaRPr lang="en-IN" dirty="0">
               <a:solidFill>
@@ -3938,9 +3923,7 @@
         </p:nvSpPr>
         <p:spPr/>
         <p:txBody>
-          <a:bodyPr>
-            <a:normAutofit fontScale="92500" lnSpcReduction="20000"/>
-          </a:bodyPr>
+          <a:bodyPr/>
           <a:lstStyle/>
           <a:p>
             <a:pPr marL="0" indent="0">
@@ -3948,7 +3931,7 @@
             </a:pPr>
             <a:r>
               <a:rPr lang="en-US" b="1" dirty="0" smtClean="0"/>
-              <a:t>Developed Using:</a:t>
+              <a:t>Impact:</a:t>
             </a:r>
             <a:endParaRPr lang="en-US" dirty="0" smtClean="0"/>
           </a:p>
@@ -3959,7 +3942,7 @@
             </a:pPr>
             <a:r>
               <a:rPr lang="en-US" dirty="0" smtClean="0"/>
-              <a:t>Streamlit for UI.</a:t>
+              <a:t>Provides updated workforce insights.</a:t>
             </a:r>
           </a:p>
           <a:p>
@@ -3969,75 +3952,81 @@
             </a:pPr>
             <a:r>
               <a:rPr lang="en-US" dirty="0" smtClean="0"/>
-              <a:t>Plotly for interactive visualizations.</a:t>
-            </a:r>
-          </a:p>
-          <a:p>
-            <a:pPr marL="457200" lvl="1" indent="0">
-              <a:buNone/>
-            </a:pPr>
+              <a:t>Aids in policy-making and employment planning.</a:t>
+            </a:r>
+          </a:p>
+          <a:p>
+            <a:pPr marL="0" indent="0">
+              <a:buNone/>
+            </a:pPr>
+            <a:r>
+              <a:rPr lang="en-US" b="1" dirty="0" smtClean="0"/>
+              <a:t>Next Steps:</a:t>
+            </a:r>
             <a:endParaRPr lang="en-US" dirty="0" smtClean="0"/>
           </a:p>
           <a:p>
+            <a:pPr lvl="1">
+              <a:buFont typeface="Arial" panose="020B0604020202020204" pitchFamily="34" charset="0"/>
+              <a:buChar char="•"/>
+            </a:pPr>
+            <a:r>
+              <a:rPr lang="en-US" sz="2400" dirty="0"/>
+              <a:t>Include real-time workforce </a:t>
+            </a:r>
+            <a:r>
+              <a:rPr lang="en-US" sz="2400" dirty="0" smtClean="0"/>
+              <a:t>updates.</a:t>
+            </a:r>
+          </a:p>
+          <a:p>
+            <a:pPr lvl="1">
+              <a:buFont typeface="Arial" panose="020B0604020202020204" pitchFamily="34" charset="0"/>
+              <a:buChar char="•"/>
+            </a:pPr>
+            <a:r>
+              <a:rPr lang="en-US" sz="2400" dirty="0" smtClean="0"/>
+              <a:t>Extend </a:t>
+            </a:r>
+            <a:r>
+              <a:rPr lang="en-US" sz="2400" dirty="0"/>
+              <a:t>industry classification with deep learning </a:t>
+            </a:r>
+            <a:r>
+              <a:rPr lang="en-US" sz="2400" dirty="0" smtClean="0"/>
+              <a:t>techniques.</a:t>
+            </a:r>
+          </a:p>
+          <a:p>
+            <a:pPr lvl="1">
+              <a:buFont typeface="Arial" panose="020B0604020202020204" pitchFamily="34" charset="0"/>
+              <a:buChar char="•"/>
+            </a:pPr>
+            <a:r>
+              <a:rPr lang="en-US" sz="2400" dirty="0" smtClean="0"/>
+              <a:t>Integrate </a:t>
+            </a:r>
+            <a:r>
+              <a:rPr lang="en-US" sz="2400" dirty="0"/>
+              <a:t>advanced geospatial visualizations</a:t>
+            </a:r>
+            <a:r>
+              <a:rPr lang="en-US" dirty="0"/>
+              <a:t>.</a:t>
+            </a:r>
+          </a:p>
+          <a:p>
             <a:pPr marL="0" indent="0">
               <a:buNone/>
             </a:pPr>
-            <a:r>
-              <a:rPr lang="en-US" b="1" dirty="0" smtClean="0"/>
-              <a:t>Features:</a:t>
-            </a:r>
-            <a:endParaRPr lang="en-US" dirty="0" smtClean="0"/>
-          </a:p>
-          <a:p>
-            <a:pPr marL="457200" lvl="1" indent="0">
-              <a:buNone/>
-            </a:pPr>
-            <a:r>
-              <a:rPr lang="en-US" dirty="0" smtClean="0"/>
-              <a:t>View workforce distribution by:</a:t>
-            </a:r>
-          </a:p>
-          <a:p>
-            <a:pPr lvl="2"/>
-            <a:r>
-              <a:rPr lang="en-US" dirty="0" smtClean="0"/>
-              <a:t>State</a:t>
-            </a:r>
-          </a:p>
-          <a:p>
-            <a:pPr lvl="2"/>
-            <a:r>
-              <a:rPr lang="en-US" dirty="0" smtClean="0"/>
-              <a:t>District</a:t>
-            </a:r>
-          </a:p>
-          <a:p>
-            <a:pPr lvl="2"/>
-            <a:r>
-              <a:rPr lang="en-US" dirty="0" smtClean="0"/>
-              <a:t>Division</a:t>
-            </a:r>
-          </a:p>
-          <a:p>
-            <a:pPr lvl="2"/>
-            <a:r>
-              <a:rPr lang="en-US" dirty="0" smtClean="0"/>
-              <a:t>Group</a:t>
-            </a:r>
-          </a:p>
-          <a:p>
-            <a:pPr lvl="2"/>
-            <a:r>
-              <a:rPr lang="en-US" dirty="0" smtClean="0"/>
-              <a:t>Class</a:t>
-            </a:r>
+            <a:endParaRPr lang="en-IN" dirty="0"/>
           </a:p>
         </p:txBody>
       </p:sp>
     </p:spTree>
     <p:extLst>
       <p:ext uri="{BB962C8B-B14F-4D97-AF65-F5344CB8AC3E}">
-        <p14:creationId xmlns:p14="http://schemas.microsoft.com/office/powerpoint/2010/main" val="2023912788"/>
+        <p14:creationId xmlns:p14="http://schemas.microsoft.com/office/powerpoint/2010/main" val="3851069801"/>
       </p:ext>
     </p:extLst>
   </p:cSld>
@@ -4076,110 +4065,184 @@
         </p:nvSpPr>
         <p:spPr>
           <a:xfrm>
-            <a:off x="467544" y="620688"/>
-            <a:ext cx="8229600" cy="634082"/>
+            <a:off x="457200" y="404664"/>
+            <a:ext cx="8229600" cy="648072"/>
           </a:xfrm>
         </p:spPr>
         <p:txBody>
           <a:bodyPr>
-            <a:normAutofit fontScale="90000"/>
+            <a:noAutofit/>
           </a:bodyPr>
           <a:lstStyle/>
           <a:p>
             <a:r>
-              <a:rPr lang="en-US" b="1" dirty="0" smtClean="0"/>
-              <a:t>Conclusion</a:t>
-            </a:r>
-            <a:endParaRPr lang="en-IN" dirty="0"/>
-          </a:p>
-        </p:txBody>
-      </p:sp>
-      <p:sp>
-        <p:nvSpPr>
-          <p:cNvPr id="3" name="Content Placeholder 2"/>
-          <p:cNvSpPr>
-            <a:spLocks noGrp="1"/>
-          </p:cNvSpPr>
+              <a:rPr lang="en-US" b="1" dirty="0" smtClean="0">
+                <a:solidFill>
+                  <a:schemeClr val="accent2"/>
+                </a:solidFill>
+              </a:rPr>
+              <a:t>Snaps of Webpage</a:t>
+            </a:r>
+            <a:endParaRPr lang="en-IN" sz="4800" b="1" dirty="0">
+              <a:solidFill>
+                <a:schemeClr val="accent2"/>
+              </a:solidFill>
+            </a:endParaRPr>
+          </a:p>
+        </p:txBody>
+      </p:sp>
+      <p:pic>
+        <p:nvPicPr>
+          <p:cNvPr id="5" name="Content Placeholder 4"/>
+          <p:cNvPicPr>
+            <a:picLocks noGrp="1" noChangeAspect="1"/>
+          </p:cNvPicPr>
           <p:nvPr>
             <p:ph idx="1"/>
           </p:nvPr>
-        </p:nvSpPr>
-        <p:spPr/>
-        <p:txBody>
-          <a:bodyPr/>
-          <a:lstStyle/>
-          <a:p>
-            <a:pPr marL="0" indent="0">
-              <a:buNone/>
-            </a:pPr>
-            <a:r>
-              <a:rPr lang="en-US" b="1" dirty="0" smtClean="0"/>
-              <a:t>Impact:</a:t>
-            </a:r>
-            <a:endParaRPr lang="en-US" dirty="0" smtClean="0"/>
-          </a:p>
-          <a:p>
-            <a:pPr lvl="1">
-              <a:buFont typeface="Arial" panose="020B0604020202020204" pitchFamily="34" charset="0"/>
-              <a:buChar char="•"/>
-            </a:pPr>
-            <a:r>
-              <a:rPr lang="en-US" dirty="0" smtClean="0"/>
-              <a:t>Provides updated workforce insights.</a:t>
-            </a:r>
-          </a:p>
-          <a:p>
-            <a:pPr lvl="1">
-              <a:buFont typeface="Arial" panose="020B0604020202020204" pitchFamily="34" charset="0"/>
-              <a:buChar char="•"/>
-            </a:pPr>
-            <a:r>
-              <a:rPr lang="en-US" dirty="0" smtClean="0"/>
-              <a:t>Aids in policy-making and employment planning.</a:t>
-            </a:r>
-          </a:p>
-          <a:p>
-            <a:pPr marL="0" indent="0">
-              <a:buNone/>
-            </a:pPr>
-            <a:r>
-              <a:rPr lang="en-US" b="1" dirty="0" smtClean="0"/>
-              <a:t>Next Steps:</a:t>
-            </a:r>
-            <a:endParaRPr lang="en-US" dirty="0" smtClean="0"/>
-          </a:p>
-          <a:p>
-            <a:pPr lvl="1">
-              <a:buFont typeface="Arial" panose="020B0604020202020204" pitchFamily="34" charset="0"/>
-              <a:buChar char="•"/>
-            </a:pPr>
-            <a:r>
-              <a:rPr lang="en-US" dirty="0" smtClean="0"/>
-              <a:t>Extend analysis to include real-time data streams.</a:t>
-            </a:r>
-          </a:p>
-          <a:p>
-            <a:pPr lvl="1">
-              <a:buFont typeface="Arial" panose="020B0604020202020204" pitchFamily="34" charset="0"/>
-              <a:buChar char="•"/>
-            </a:pPr>
-            <a:r>
-              <a:rPr lang="en-US" dirty="0" smtClean="0"/>
-              <a:t>Automate periodic reporting.</a:t>
-            </a:r>
-          </a:p>
-          <a:p>
-            <a:pPr marL="0" indent="0">
-              <a:buNone/>
-            </a:pPr>
-            <a:endParaRPr lang="en-IN" dirty="0"/>
-          </a:p>
-        </p:txBody>
-      </p:sp>
+        </p:nvPicPr>
+        <p:blipFill>
+          <a:blip r:embed="rId2">
+            <a:extLst>
+              <a:ext uri="{28A0092B-C50C-407E-A947-70E740481C1C}">
+                <a14:useLocalDpi xmlns:a14="http://schemas.microsoft.com/office/drawing/2010/main" val="0"/>
+              </a:ext>
+            </a:extLst>
+          </a:blip>
+          <a:stretch>
+            <a:fillRect/>
+          </a:stretch>
+        </p:blipFill>
+        <p:spPr>
+          <a:xfrm>
+            <a:off x="467544" y="1556792"/>
+            <a:ext cx="8229600" cy="4104456"/>
+          </a:xfrm>
+        </p:spPr>
+      </p:pic>
     </p:spTree>
     <p:extLst>
       <p:ext uri="{BB962C8B-B14F-4D97-AF65-F5344CB8AC3E}">
-        <p14:creationId xmlns:p14="http://schemas.microsoft.com/office/powerpoint/2010/main" val="3851069801"/>
+        <p14:creationId xmlns:p14="http://schemas.microsoft.com/office/powerpoint/2010/main" val="4201215287"/>
+      </p:ext>
+    </p:extLst>
+  </p:cSld>
+  <p:clrMapOvr>
+    <a:masterClrMapping/>
+  </p:clrMapOvr>
+</p:sld>
+</file>
+
+<file path=ppt/slides/slide15.xml><?xml version="1.0" encoding="utf-8"?>
+<p:sld xmlns:a="http://schemas.openxmlformats.org/drawingml/2006/main" xmlns:r="http://schemas.openxmlformats.org/officeDocument/2006/relationships" xmlns:p="http://schemas.openxmlformats.org/presentationml/2006/main">
+  <p:cSld>
+    <p:spTree>
+      <p:nvGrpSpPr>
+        <p:cNvPr id="1" name=""/>
+        <p:cNvGrpSpPr/>
+        <p:nvPr/>
+      </p:nvGrpSpPr>
+      <p:grpSpPr>
+        <a:xfrm>
+          <a:off x="0" y="0"/>
+          <a:ext cx="0" cy="0"/>
+          <a:chOff x="0" y="0"/>
+          <a:chExt cx="0" cy="0"/>
+        </a:xfrm>
+      </p:grpSpPr>
+      <p:pic>
+        <p:nvPicPr>
+          <p:cNvPr id="4" name="Content Placeholder 3"/>
+          <p:cNvPicPr>
+            <a:picLocks noGrp="1" noChangeAspect="1"/>
+          </p:cNvPicPr>
+          <p:nvPr>
+            <p:ph idx="1"/>
+          </p:nvPr>
+        </p:nvPicPr>
+        <p:blipFill>
+          <a:blip r:embed="rId2">
+            <a:extLst>
+              <a:ext uri="{28A0092B-C50C-407E-A947-70E740481C1C}">
+                <a14:useLocalDpi xmlns:a14="http://schemas.microsoft.com/office/drawing/2010/main" val="0"/>
+              </a:ext>
+            </a:extLst>
+          </a:blip>
+          <a:stretch>
+            <a:fillRect/>
+          </a:stretch>
+        </p:blipFill>
+        <p:spPr>
+          <a:xfrm>
+            <a:off x="457200" y="404664"/>
+            <a:ext cx="8229600" cy="3528392"/>
+          </a:xfrm>
+        </p:spPr>
+      </p:pic>
+      <p:pic>
+        <p:nvPicPr>
+          <p:cNvPr id="5" name="Picture 4"/>
+          <p:cNvPicPr>
+            <a:picLocks noChangeAspect="1"/>
+          </p:cNvPicPr>
+          <p:nvPr/>
+        </p:nvPicPr>
+        <p:blipFill>
+          <a:blip r:embed="rId3" cstate="print">
+            <a:extLst>
+              <a:ext uri="{28A0092B-C50C-407E-A947-70E740481C1C}">
+                <a14:useLocalDpi xmlns:a14="http://schemas.microsoft.com/office/drawing/2010/main" val="0"/>
+              </a:ext>
+            </a:extLst>
+          </a:blip>
+          <a:stretch>
+            <a:fillRect/>
+          </a:stretch>
+        </p:blipFill>
+        <p:spPr>
+          <a:xfrm>
+            <a:off x="444960" y="4115792"/>
+            <a:ext cx="3933617" cy="2193528"/>
+          </a:xfrm>
+          <a:prstGeom prst="rect">
+            <a:avLst/>
+          </a:prstGeom>
+        </p:spPr>
+      </p:pic>
+      <p:pic>
+        <p:nvPicPr>
+          <p:cNvPr id="6" name="Picture 5"/>
+          <p:cNvPicPr>
+            <a:picLocks noChangeAspect="1"/>
+          </p:cNvPicPr>
+          <p:nvPr/>
+        </p:nvPicPr>
+        <p:blipFill>
+          <a:blip r:embed="rId4" cstate="print">
+            <a:extLst>
+              <a:ext uri="{28A0092B-C50C-407E-A947-70E740481C1C}">
+                <a14:useLocalDpi xmlns:a14="http://schemas.microsoft.com/office/drawing/2010/main" val="0"/>
+              </a:ext>
+            </a:extLst>
+          </a:blip>
+          <a:stretch>
+            <a:fillRect/>
+          </a:stretch>
+        </p:blipFill>
+        <p:spPr>
+          <a:xfrm>
+            <a:off x="4788024" y="4115793"/>
+            <a:ext cx="3828747" cy="2193527"/>
+          </a:xfrm>
+          <a:prstGeom prst="rect">
+            <a:avLst/>
+          </a:prstGeom>
+        </p:spPr>
+      </p:pic>
+    </p:spTree>
+    <p:extLst>
+      <p:ext uri="{BB962C8B-B14F-4D97-AF65-F5344CB8AC3E}">
+        <p14:creationId xmlns:p14="http://schemas.microsoft.com/office/powerpoint/2010/main" val="3137141037"/>
       </p:ext>
     </p:extLst>
   </p:cSld>
@@ -4229,12 +4292,20 @@
           <a:lstStyle/>
           <a:p>
             <a:r>
+              <a:rPr lang="en-US" sz="4900" b="1" dirty="0" smtClean="0">
+                <a:solidFill>
+                  <a:schemeClr val="accent2"/>
+                </a:solidFill>
+              </a:rPr>
+              <a:t>Problem </a:t>
+            </a:r>
+            <a:r>
               <a:rPr lang="en-US" b="1" dirty="0" smtClean="0">
                 <a:solidFill>
                   <a:schemeClr val="accent2"/>
                 </a:solidFill>
               </a:rPr>
-              <a:t>Problem Statement</a:t>
+              <a:t>Statement</a:t>
             </a:r>
             <a:endParaRPr lang="en-IN" dirty="0">
               <a:solidFill>
@@ -4371,7 +4442,7 @@
         </p:spPr>
         <p:txBody>
           <a:bodyPr>
-            <a:normAutofit fontScale="90000"/>
+            <a:noAutofit/>
           </a:bodyPr>
           <a:lstStyle/>
           <a:p>
@@ -4572,7 +4643,7 @@
         <p:spPr/>
         <p:txBody>
           <a:bodyPr>
-            <a:normAutofit lnSpcReduction="10000"/>
+            <a:normAutofit/>
           </a:bodyPr>
           <a:lstStyle/>
           <a:p>
@@ -4620,10 +4691,10 @@
               <a:buNone/>
             </a:pPr>
             <a:r>
-              <a:rPr lang="en-IN" b="1" dirty="0" smtClean="0"/>
+              <a:rPr lang="en-IN" b="1" dirty="0"/>
               <a:t>NLP and Machine Learning:</a:t>
             </a:r>
-            <a:endParaRPr lang="en-IN" dirty="0" smtClean="0"/>
+            <a:endParaRPr lang="en-IN" dirty="0"/>
           </a:p>
           <a:p>
             <a:pPr lvl="1">
@@ -4631,8 +4702,8 @@
               <a:buChar char="•"/>
             </a:pPr>
             <a:r>
-              <a:rPr lang="en-IN" dirty="0" smtClean="0"/>
-              <a:t>sklearn, TfidfVectorizer, KMeans, RandomForestClassifier</a:t>
+              <a:rPr lang="en-IN" dirty="0"/>
+              <a:t>sklearn, TfidfVectorizer, Kmeans</a:t>
             </a:r>
           </a:p>
           <a:p>
@@ -4641,9 +4712,8 @@
             </a:pPr>
             <a:r>
               <a:rPr lang="en-IN" b="1" dirty="0" smtClean="0"/>
-              <a:t>Deployment:</a:t>
-            </a:r>
-            <a:endParaRPr lang="en-IN" dirty="0" smtClean="0"/>
+              <a:t>Webpage:</a:t>
+            </a:r>
           </a:p>
           <a:p>
             <a:pPr lvl="1">
@@ -4652,8 +4722,15 @@
             </a:pPr>
             <a:r>
               <a:rPr lang="en-IN" dirty="0" smtClean="0"/>
-              <a:t>Streamlit, joblib</a:t>
-            </a:r>
+              <a:t>Streamlit</a:t>
+            </a:r>
+            <a:endParaRPr lang="en-IN" dirty="0"/>
+          </a:p>
+          <a:p>
+            <a:pPr marL="0" indent="0">
+              <a:buNone/>
+            </a:pPr>
+            <a:endParaRPr lang="en-IN" dirty="0"/>
           </a:p>
           <a:p>
             <a:endParaRPr lang="en-IN" dirty="0"/>
@@ -4708,7 +4785,7 @@
         </p:spPr>
         <p:txBody>
           <a:bodyPr>
-            <a:normAutofit fontScale="90000"/>
+            <a:noAutofit/>
           </a:bodyPr>
           <a:lstStyle/>
           <a:p>
@@ -4746,7 +4823,7 @@
         </p:spPr>
         <p:txBody>
           <a:bodyPr>
-            <a:normAutofit fontScale="70000" lnSpcReduction="20000"/>
+            <a:normAutofit fontScale="77500" lnSpcReduction="20000"/>
           </a:bodyPr>
           <a:lstStyle/>
           <a:p>
@@ -4869,35 +4946,7 @@
             </a:pPr>
             <a:r>
               <a:rPr lang="en-US" b="1" dirty="0" smtClean="0"/>
-              <a:t>Machine Learning:</a:t>
-            </a:r>
-            <a:endParaRPr lang="en-US" dirty="0" smtClean="0"/>
-          </a:p>
-          <a:p>
-            <a:pPr lvl="1">
-              <a:buFont typeface="Arial" panose="020B0604020202020204" pitchFamily="34" charset="0"/>
-              <a:buChar char="•"/>
-            </a:pPr>
-            <a:r>
-              <a:rPr lang="en-US" dirty="0" smtClean="0"/>
-              <a:t>Predicting industry group using </a:t>
-            </a:r>
-            <a:r>
-              <a:rPr lang="en-US" i="1" dirty="0" smtClean="0"/>
-              <a:t>RandomForestClassifier</a:t>
-            </a:r>
-            <a:r>
-              <a:rPr lang="en-US" dirty="0" smtClean="0"/>
-              <a:t>.</a:t>
-            </a:r>
-          </a:p>
-          <a:p>
-            <a:pPr marL="0" indent="0">
-              <a:buNone/>
-            </a:pPr>
-            <a:r>
-              <a:rPr lang="en-US" b="1" dirty="0" smtClean="0"/>
-              <a:t>Visualization &amp; Deployment:</a:t>
+              <a:t>Web Application:</a:t>
             </a:r>
             <a:endParaRPr lang="en-US" dirty="0" smtClean="0"/>
           </a:p>
@@ -5029,18 +5078,18 @@
             </a:pPr>
             <a:r>
               <a:rPr lang="en-US" dirty="0" smtClean="0"/>
-              <a:t>Cleaned backticks (```) in categorical columns.</a:t>
-            </a:r>
-          </a:p>
-          <a:p>
-            <a:pPr lvl="1">
-              <a:buFont typeface="Arial" panose="020B0604020202020204" pitchFamily="34" charset="0"/>
-              <a:buChar char="•"/>
-            </a:pPr>
+              <a:t>Cleaned backticks (```) in categorical columns</a:t>
+            </a:r>
             <a:r>
               <a:rPr lang="en-US" dirty="0" smtClean="0"/>
-              <a:t>Filled missing values using median for numerical features.</a:t>
-            </a:r>
+              <a:t>.</a:t>
+            </a:r>
+          </a:p>
+          <a:p>
+            <a:pPr marL="457200" lvl="1" indent="0">
+              <a:buNone/>
+            </a:pPr>
+            <a:endParaRPr lang="en-US" dirty="0" smtClean="0"/>
           </a:p>
           <a:p>
             <a:pPr marL="0" indent="0">
@@ -5108,7 +5157,7 @@
         </p:spPr>
         <p:txBody>
           <a:bodyPr>
-            <a:normAutofit fontScale="90000"/>
+            <a:noAutofit/>
           </a:bodyPr>
           <a:lstStyle/>
           <a:p>
